--- a/Week7/W1.02. Week 1 Overview.pptx
+++ b/Week7/W1.02. Week 1 Overview.pptx
@@ -121,6 +121,80 @@
 </p:presentation>
 </file>
 
+<file path=ppt/changesInfos/changesInfo1.xml><?xml version="1.0" encoding="utf-8"?>
+<pc:chgInfo xmlns:a="http://schemas.openxmlformats.org/drawingml/2006/main" xmlns:r="http://schemas.openxmlformats.org/officeDocument/2006/relationships" xmlns:ac="http://schemas.microsoft.com/office/drawing/2013/main/command" xmlns:pc="http://schemas.microsoft.com/office/powerpoint/2013/main/command">
+  <pc:docChgLst>
+    <pc:chgData name="Chuck Kiefriter" userId="a996b49251c4dfd2" providerId="LiveId" clId="{DC308347-ACBB-4598-8E52-87D2AE0698D2}"/>
+    <pc:docChg chg="modSld">
+      <pc:chgData name="Chuck Kiefriter" userId="a996b49251c4dfd2" providerId="LiveId" clId="{DC308347-ACBB-4598-8E52-87D2AE0698D2}" dt="2024-03-20T21:32:02.790" v="4" actId="14100"/>
+      <pc:docMkLst>
+        <pc:docMk/>
+      </pc:docMkLst>
+      <pc:sldChg chg="modSp mod">
+        <pc:chgData name="Chuck Kiefriter" userId="a996b49251c4dfd2" providerId="LiveId" clId="{DC308347-ACBB-4598-8E52-87D2AE0698D2}" dt="2024-03-20T21:31:26.846" v="2" actId="14100"/>
+        <pc:sldMkLst>
+          <pc:docMk/>
+          <pc:sldMk cId="4039968832" sldId="257"/>
+        </pc:sldMkLst>
+        <pc:spChg chg="mod">
+          <ac:chgData name="Chuck Kiefriter" userId="a996b49251c4dfd2" providerId="LiveId" clId="{DC308347-ACBB-4598-8E52-87D2AE0698D2}" dt="2024-03-20T21:31:26.846" v="2" actId="14100"/>
+          <ac:spMkLst>
+            <pc:docMk/>
+            <pc:sldMk cId="4039968832" sldId="257"/>
+            <ac:spMk id="3" creationId="{8CEDC958-2D9E-4E89-B518-DB60517CDF3E}"/>
+          </ac:spMkLst>
+        </pc:spChg>
+      </pc:sldChg>
+      <pc:sldChg chg="modSp mod">
+        <pc:chgData name="Chuck Kiefriter" userId="a996b49251c4dfd2" providerId="LiveId" clId="{DC308347-ACBB-4598-8E52-87D2AE0698D2}" dt="2024-03-20T21:31:35.715" v="3" actId="14100"/>
+        <pc:sldMkLst>
+          <pc:docMk/>
+          <pc:sldMk cId="3318417990" sldId="258"/>
+        </pc:sldMkLst>
+        <pc:spChg chg="mod">
+          <ac:chgData name="Chuck Kiefriter" userId="a996b49251c4dfd2" providerId="LiveId" clId="{DC308347-ACBB-4598-8E52-87D2AE0698D2}" dt="2024-03-20T21:31:35.715" v="3" actId="14100"/>
+          <ac:spMkLst>
+            <pc:docMk/>
+            <pc:sldMk cId="3318417990" sldId="258"/>
+            <ac:spMk id="3" creationId="{09751178-2161-4C2E-99A1-3F083663EA89}"/>
+          </ac:spMkLst>
+        </pc:spChg>
+      </pc:sldChg>
+      <pc:sldChg chg="modSp mod">
+        <pc:chgData name="Chuck Kiefriter" userId="a996b49251c4dfd2" providerId="LiveId" clId="{DC308347-ACBB-4598-8E52-87D2AE0698D2}" dt="2024-03-20T21:32:02.790" v="4" actId="14100"/>
+        <pc:sldMkLst>
+          <pc:docMk/>
+          <pc:sldMk cId="1900468883" sldId="260"/>
+        </pc:sldMkLst>
+        <pc:spChg chg="mod">
+          <ac:chgData name="Chuck Kiefriter" userId="a996b49251c4dfd2" providerId="LiveId" clId="{DC308347-ACBB-4598-8E52-87D2AE0698D2}" dt="2024-03-20T21:32:02.790" v="4" actId="14100"/>
+          <ac:spMkLst>
+            <pc:docMk/>
+            <pc:sldMk cId="1900468883" sldId="260"/>
+            <ac:spMk id="3" creationId="{428CFE0E-487E-425D-847F-5B939DF96423}"/>
+          </ac:spMkLst>
+        </pc:spChg>
+      </pc:sldChg>
+      <pc:sldChg chg="modSp mod">
+        <pc:chgData name="Chuck Kiefriter" userId="a996b49251c4dfd2" providerId="LiveId" clId="{DC308347-ACBB-4598-8E52-87D2AE0698D2}" dt="2024-03-20T21:31:00.214" v="1" actId="14100"/>
+        <pc:sldMkLst>
+          <pc:docMk/>
+          <pc:sldMk cId="3646223644" sldId="261"/>
+        </pc:sldMkLst>
+        <pc:spChg chg="mod">
+          <ac:chgData name="Chuck Kiefriter" userId="a996b49251c4dfd2" providerId="LiveId" clId="{DC308347-ACBB-4598-8E52-87D2AE0698D2}" dt="2024-03-20T21:31:00.214" v="1" actId="14100"/>
+          <ac:spMkLst>
+            <pc:docMk/>
+            <pc:sldMk cId="3646223644" sldId="261"/>
+            <ac:spMk id="3" creationId="{3BA7B180-F628-4244-AA00-CA4A81B6C476}"/>
+          </ac:spMkLst>
+        </pc:spChg>
+      </pc:sldChg>
+    </pc:docChg>
+  </pc:docChgLst>
+</pc:chgInfo>
+</file>
+
 <file path=ppt/notesMasters/notesMaster1.xml><?xml version="1.0" encoding="utf-8"?>
 <p:notesMaster xmlns:a="http://schemas.openxmlformats.org/drawingml/2006/main" xmlns:r="http://schemas.openxmlformats.org/officeDocument/2006/relationships" xmlns:p="http://schemas.openxmlformats.org/presentationml/2006/main">
   <p:cSld>
@@ -203,7 +277,7 @@
           <a:p>
             <a:fld id="{BF1BC3E4-C956-40CB-AFCD-8F927AFF366E}" type="datetimeFigureOut">
               <a:rPr lang="en-US" smtClean="0"/>
-              <a:t>1/17/2022</a:t>
+              <a:t>3/20/2024</a:t>
             </a:fld>
             <a:endParaRPr lang="en-US"/>
           </a:p>
@@ -714,7 +788,7 @@
           <a:p>
             <a:fld id="{548C5E67-172B-4F6A-B3B9-DEF72F952E5B}" type="datetimeFigureOut">
               <a:rPr lang="en-US" smtClean="0"/>
-              <a:t>1/17/2022</a:t>
+              <a:t>3/20/2024</a:t>
             </a:fld>
             <a:endParaRPr lang="en-US"/>
           </a:p>
@@ -918,7 +992,7 @@
           <a:p>
             <a:fld id="{548C5E67-172B-4F6A-B3B9-DEF72F952E5B}" type="datetimeFigureOut">
               <a:rPr lang="en-US" smtClean="0"/>
-              <a:t>1/17/2022</a:t>
+              <a:t>3/20/2024</a:t>
             </a:fld>
             <a:endParaRPr lang="en-US"/>
           </a:p>
@@ -1112,7 +1186,7 @@
           <a:p>
             <a:fld id="{548C5E67-172B-4F6A-B3B9-DEF72F952E5B}" type="datetimeFigureOut">
               <a:rPr lang="en-US" smtClean="0"/>
-              <a:t>1/17/2022</a:t>
+              <a:t>3/20/2024</a:t>
             </a:fld>
             <a:endParaRPr lang="en-US"/>
           </a:p>
@@ -2157,7 +2231,7 @@
           <a:p>
             <a:fld id="{548C5E67-172B-4F6A-B3B9-DEF72F952E5B}" type="datetimeFigureOut">
               <a:rPr lang="en-US" smtClean="0"/>
-              <a:t>1/17/2022</a:t>
+              <a:t>3/20/2024</a:t>
             </a:fld>
             <a:endParaRPr lang="en-US"/>
           </a:p>
@@ -2438,7 +2512,7 @@
           <a:p>
             <a:fld id="{548C5E67-172B-4F6A-B3B9-DEF72F952E5B}" type="datetimeFigureOut">
               <a:rPr lang="en-US" smtClean="0"/>
-              <a:t>1/17/2022</a:t>
+              <a:t>3/20/2024</a:t>
             </a:fld>
             <a:endParaRPr lang="en-US"/>
           </a:p>
@@ -3090,7 +3164,7 @@
         <p:spPr>
           <a:xfrm>
             <a:off x="838200" y="1825625"/>
-            <a:ext cx="6464300" cy="4351338"/>
+            <a:ext cx="9412224" cy="4351338"/>
           </a:xfrm>
         </p:spPr>
         <p:txBody>
@@ -3313,7 +3387,7 @@
         <p:spPr>
           <a:xfrm>
             <a:off x="838200" y="1825625"/>
-            <a:ext cx="6108700" cy="4351338"/>
+            <a:ext cx="10125456" cy="4351338"/>
           </a:xfrm>
         </p:spPr>
         <p:txBody>
@@ -3461,7 +3535,7 @@
         <p:spPr>
           <a:xfrm>
             <a:off x="838200" y="1825625"/>
-            <a:ext cx="5511800" cy="4351338"/>
+            <a:ext cx="11195304" cy="4351338"/>
           </a:xfrm>
         </p:spPr>
         <p:txBody>
@@ -3817,7 +3891,12 @@
             <p:ph idx="1"/>
           </p:nvPr>
         </p:nvSpPr>
-        <p:spPr/>
+        <p:spPr>
+          <a:xfrm>
+            <a:off x="838200" y="1825625"/>
+            <a:ext cx="9997440" cy="4351338"/>
+          </a:xfrm>
+        </p:spPr>
         <p:txBody>
           <a:bodyPr/>
           <a:lstStyle/>
